--- a/xray_in_practice.pptx
+++ b/xray_in_practice.pptx
@@ -340,7 +340,7 @@
             <a:fld id="{B61BEF0D-F0BB-DE4B-95CE-6DB70DBA9567}" type="datetimeFigureOut">
               <a:rPr lang="en-US" dirty="0"/>
               <a:pPr/>
-              <a:t>6/6/21</a:t>
+              <a:t>6/7/21</a:t>
             </a:fld>
             <a:endParaRPr lang="en-US" dirty="0"/>
           </a:p>
@@ -669,7 +669,7 @@
             <a:fld id="{B61BEF0D-F0BB-DE4B-95CE-6DB70DBA9567}" type="datetimeFigureOut">
               <a:rPr lang="en-US" dirty="0"/>
               <a:pPr/>
-              <a:t>6/6/21</a:t>
+              <a:t>6/7/21</a:t>
             </a:fld>
             <a:endParaRPr lang="en-US" dirty="0"/>
           </a:p>
@@ -943,7 +943,7 @@
             <a:fld id="{B61BEF0D-F0BB-DE4B-95CE-6DB70DBA9567}" type="datetimeFigureOut">
               <a:rPr lang="en-US" dirty="0"/>
               <a:pPr/>
-              <a:t>6/6/21</a:t>
+              <a:t>6/7/21</a:t>
             </a:fld>
             <a:endParaRPr lang="en-US" dirty="0"/>
           </a:p>
@@ -1507,7 +1507,7 @@
             <a:fld id="{B61BEF0D-F0BB-DE4B-95CE-6DB70DBA9567}" type="datetimeFigureOut">
               <a:rPr lang="en-US" dirty="0"/>
               <a:pPr/>
-              <a:t>6/6/21</a:t>
+              <a:t>6/7/21</a:t>
             </a:fld>
             <a:endParaRPr lang="en-US" dirty="0"/>
           </a:p>
@@ -1781,7 +1781,7 @@
             <a:fld id="{B61BEF0D-F0BB-DE4B-95CE-6DB70DBA9567}" type="datetimeFigureOut">
               <a:rPr lang="en-US" dirty="0"/>
               <a:pPr/>
-              <a:t>6/6/21</a:t>
+              <a:t>6/7/21</a:t>
             </a:fld>
             <a:endParaRPr lang="en-US" dirty="0"/>
           </a:p>
@@ -2339,7 +2339,7 @@
             <a:fld id="{B61BEF0D-F0BB-DE4B-95CE-6DB70DBA9567}" type="datetimeFigureOut">
               <a:rPr lang="en-US" dirty="0"/>
               <a:pPr/>
-              <a:t>6/6/21</a:t>
+              <a:t>6/7/21</a:t>
             </a:fld>
             <a:endParaRPr lang="en-US" dirty="0"/>
           </a:p>
@@ -2662,7 +2662,7 @@
             <a:fld id="{B61BEF0D-F0BB-DE4B-95CE-6DB70DBA9567}" type="datetimeFigureOut">
               <a:rPr lang="en-US" dirty="0"/>
               <a:pPr/>
-              <a:t>6/6/21</a:t>
+              <a:t>6/7/21</a:t>
             </a:fld>
             <a:endParaRPr lang="en-US" dirty="0"/>
           </a:p>
@@ -2835,7 +2835,7 @@
             <a:fld id="{B61BEF0D-F0BB-DE4B-95CE-6DB70DBA9567}" type="datetimeFigureOut">
               <a:rPr lang="en-US" dirty="0"/>
               <a:pPr/>
-              <a:t>6/6/21</a:t>
+              <a:t>6/7/21</a:t>
             </a:fld>
             <a:endParaRPr lang="en-US" dirty="0"/>
           </a:p>
@@ -3067,7 +3067,7 @@
             <a:fld id="{B61BEF0D-F0BB-DE4B-95CE-6DB70DBA9567}" type="datetimeFigureOut">
               <a:rPr lang="en-US" dirty="0"/>
               <a:pPr/>
-              <a:t>6/6/21</a:t>
+              <a:t>6/7/21</a:t>
             </a:fld>
             <a:endParaRPr lang="en-US" dirty="0"/>
           </a:p>
@@ -3262,7 +3262,7 @@
             <a:fld id="{B61BEF0D-F0BB-DE4B-95CE-6DB70DBA9567}" type="datetimeFigureOut">
               <a:rPr lang="en-US" dirty="0"/>
               <a:pPr/>
-              <a:t>6/6/21</a:t>
+              <a:t>6/7/21</a:t>
             </a:fld>
             <a:endParaRPr lang="en-US" dirty="0"/>
           </a:p>
@@ -3534,7 +3534,7 @@
             <a:fld id="{B61BEF0D-F0BB-DE4B-95CE-6DB70DBA9567}" type="datetimeFigureOut">
               <a:rPr lang="en-US" dirty="0"/>
               <a:pPr/>
-              <a:t>6/6/21</a:t>
+              <a:t>6/7/21</a:t>
             </a:fld>
             <a:endParaRPr lang="en-US" dirty="0"/>
           </a:p>
@@ -3794,7 +3794,7 @@
             <a:fld id="{B61BEF0D-F0BB-DE4B-95CE-6DB70DBA9567}" type="datetimeFigureOut">
               <a:rPr lang="en-US" dirty="0"/>
               <a:pPr/>
-              <a:t>6/6/21</a:t>
+              <a:t>6/7/21</a:t>
             </a:fld>
             <a:endParaRPr lang="en-US" dirty="0"/>
           </a:p>
@@ -4162,7 +4162,7 @@
             <a:fld id="{B61BEF0D-F0BB-DE4B-95CE-6DB70DBA9567}" type="datetimeFigureOut">
               <a:rPr lang="en-US" dirty="0"/>
               <a:pPr/>
-              <a:t>6/6/21</a:t>
+              <a:t>6/7/21</a:t>
             </a:fld>
             <a:endParaRPr lang="en-US" dirty="0"/>
           </a:p>
@@ -4306,7 +4306,7 @@
             <a:fld id="{B61BEF0D-F0BB-DE4B-95CE-6DB70DBA9567}" type="datetimeFigureOut">
               <a:rPr lang="en-US" dirty="0"/>
               <a:pPr/>
-              <a:t>6/6/21</a:t>
+              <a:t>6/7/21</a:t>
             </a:fld>
             <a:endParaRPr lang="en-US" dirty="0"/>
           </a:p>
@@ -4428,7 +4428,7 @@
             <a:fld id="{B61BEF0D-F0BB-DE4B-95CE-6DB70DBA9567}" type="datetimeFigureOut">
               <a:rPr lang="en-US" dirty="0"/>
               <a:pPr/>
-              <a:t>6/6/21</a:t>
+              <a:t>6/7/21</a:t>
             </a:fld>
             <a:endParaRPr lang="en-US" dirty="0"/>
           </a:p>
@@ -4708,7 +4708,7 @@
             <a:fld id="{B61BEF0D-F0BB-DE4B-95CE-6DB70DBA9567}" type="datetimeFigureOut">
               <a:rPr lang="en-US" dirty="0"/>
               <a:pPr/>
-              <a:t>6/6/21</a:t>
+              <a:t>6/7/21</a:t>
             </a:fld>
             <a:endParaRPr lang="en-US" dirty="0"/>
           </a:p>
@@ -5027,7 +5027,7 @@
             <a:fld id="{B61BEF0D-F0BB-DE4B-95CE-6DB70DBA9567}" type="datetimeFigureOut">
               <a:rPr lang="en-US" dirty="0"/>
               <a:pPr/>
-              <a:t>6/6/21</a:t>
+              <a:t>6/7/21</a:t>
             </a:fld>
             <a:endParaRPr lang="en-US" dirty="0"/>
           </a:p>
@@ -5236,7 +5236,7 @@
             <a:fld id="{B61BEF0D-F0BB-DE4B-95CE-6DB70DBA9567}" type="datetimeFigureOut">
               <a:rPr lang="en-US" dirty="0"/>
               <a:pPr/>
-              <a:t>6/6/21</a:t>
+              <a:t>6/7/21</a:t>
             </a:fld>
             <a:endParaRPr lang="en-US" dirty="0"/>
           </a:p>
@@ -5759,8 +5759,8 @@
         </p:nvSpPr>
         <p:spPr>
           <a:xfrm>
-            <a:off x="7479998" y="913994"/>
-            <a:ext cx="3587585" cy="738664"/>
+            <a:off x="7440756" y="913994"/>
+            <a:ext cx="3626827" cy="738664"/>
           </a:xfrm>
           <a:prstGeom prst="rect">
             <a:avLst/>
@@ -5790,7 +5790,7 @@
             <a:pPr algn="r"/>
             <a:r>
               <a:rPr lang="en-US" sz="1400"/>
-              <a:t>https://github.com/kyle11235/xray-in-practice</a:t>
+              <a:t>https://github.com/kyle11235/xray_in_practice</a:t>
             </a:r>
             <a:endParaRPr lang="en-CN" sz="1400"/>
           </a:p>

--- a/xray_in_practice.pptx
+++ b/xray_in_practice.pptx
@@ -340,7 +340,7 @@
             <a:fld id="{B61BEF0D-F0BB-DE4B-95CE-6DB70DBA9567}" type="datetimeFigureOut">
               <a:rPr lang="en-US" dirty="0"/>
               <a:pPr/>
-              <a:t>6/7/21</a:t>
+              <a:t>6/8/21</a:t>
             </a:fld>
             <a:endParaRPr lang="en-US" dirty="0"/>
           </a:p>
@@ -669,7 +669,7 @@
             <a:fld id="{B61BEF0D-F0BB-DE4B-95CE-6DB70DBA9567}" type="datetimeFigureOut">
               <a:rPr lang="en-US" dirty="0"/>
               <a:pPr/>
-              <a:t>6/7/21</a:t>
+              <a:t>6/8/21</a:t>
             </a:fld>
             <a:endParaRPr lang="en-US" dirty="0"/>
           </a:p>
@@ -943,7 +943,7 @@
             <a:fld id="{B61BEF0D-F0BB-DE4B-95CE-6DB70DBA9567}" type="datetimeFigureOut">
               <a:rPr lang="en-US" dirty="0"/>
               <a:pPr/>
-              <a:t>6/7/21</a:t>
+              <a:t>6/8/21</a:t>
             </a:fld>
             <a:endParaRPr lang="en-US" dirty="0"/>
           </a:p>
@@ -1507,7 +1507,7 @@
             <a:fld id="{B61BEF0D-F0BB-DE4B-95CE-6DB70DBA9567}" type="datetimeFigureOut">
               <a:rPr lang="en-US" dirty="0"/>
               <a:pPr/>
-              <a:t>6/7/21</a:t>
+              <a:t>6/8/21</a:t>
             </a:fld>
             <a:endParaRPr lang="en-US" dirty="0"/>
           </a:p>
@@ -1781,7 +1781,7 @@
             <a:fld id="{B61BEF0D-F0BB-DE4B-95CE-6DB70DBA9567}" type="datetimeFigureOut">
               <a:rPr lang="en-US" dirty="0"/>
               <a:pPr/>
-              <a:t>6/7/21</a:t>
+              <a:t>6/8/21</a:t>
             </a:fld>
             <a:endParaRPr lang="en-US" dirty="0"/>
           </a:p>
@@ -2339,7 +2339,7 @@
             <a:fld id="{B61BEF0D-F0BB-DE4B-95CE-6DB70DBA9567}" type="datetimeFigureOut">
               <a:rPr lang="en-US" dirty="0"/>
               <a:pPr/>
-              <a:t>6/7/21</a:t>
+              <a:t>6/8/21</a:t>
             </a:fld>
             <a:endParaRPr lang="en-US" dirty="0"/>
           </a:p>
@@ -2662,7 +2662,7 @@
             <a:fld id="{B61BEF0D-F0BB-DE4B-95CE-6DB70DBA9567}" type="datetimeFigureOut">
               <a:rPr lang="en-US" dirty="0"/>
               <a:pPr/>
-              <a:t>6/7/21</a:t>
+              <a:t>6/8/21</a:t>
             </a:fld>
             <a:endParaRPr lang="en-US" dirty="0"/>
           </a:p>
@@ -2835,7 +2835,7 @@
             <a:fld id="{B61BEF0D-F0BB-DE4B-95CE-6DB70DBA9567}" type="datetimeFigureOut">
               <a:rPr lang="en-US" dirty="0"/>
               <a:pPr/>
-              <a:t>6/7/21</a:t>
+              <a:t>6/8/21</a:t>
             </a:fld>
             <a:endParaRPr lang="en-US" dirty="0"/>
           </a:p>
@@ -3067,7 +3067,7 @@
             <a:fld id="{B61BEF0D-F0BB-DE4B-95CE-6DB70DBA9567}" type="datetimeFigureOut">
               <a:rPr lang="en-US" dirty="0"/>
               <a:pPr/>
-              <a:t>6/7/21</a:t>
+              <a:t>6/8/21</a:t>
             </a:fld>
             <a:endParaRPr lang="en-US" dirty="0"/>
           </a:p>
@@ -3262,7 +3262,7 @@
             <a:fld id="{B61BEF0D-F0BB-DE4B-95CE-6DB70DBA9567}" type="datetimeFigureOut">
               <a:rPr lang="en-US" dirty="0"/>
               <a:pPr/>
-              <a:t>6/7/21</a:t>
+              <a:t>6/8/21</a:t>
             </a:fld>
             <a:endParaRPr lang="en-US" dirty="0"/>
           </a:p>
@@ -3534,7 +3534,7 @@
             <a:fld id="{B61BEF0D-F0BB-DE4B-95CE-6DB70DBA9567}" type="datetimeFigureOut">
               <a:rPr lang="en-US" dirty="0"/>
               <a:pPr/>
-              <a:t>6/7/21</a:t>
+              <a:t>6/8/21</a:t>
             </a:fld>
             <a:endParaRPr lang="en-US" dirty="0"/>
           </a:p>
@@ -3794,7 +3794,7 @@
             <a:fld id="{B61BEF0D-F0BB-DE4B-95CE-6DB70DBA9567}" type="datetimeFigureOut">
               <a:rPr lang="en-US" dirty="0"/>
               <a:pPr/>
-              <a:t>6/7/21</a:t>
+              <a:t>6/8/21</a:t>
             </a:fld>
             <a:endParaRPr lang="en-US" dirty="0"/>
           </a:p>
@@ -4162,7 +4162,7 @@
             <a:fld id="{B61BEF0D-F0BB-DE4B-95CE-6DB70DBA9567}" type="datetimeFigureOut">
               <a:rPr lang="en-US" dirty="0"/>
               <a:pPr/>
-              <a:t>6/7/21</a:t>
+              <a:t>6/8/21</a:t>
             </a:fld>
             <a:endParaRPr lang="en-US" dirty="0"/>
           </a:p>
@@ -4306,7 +4306,7 @@
             <a:fld id="{B61BEF0D-F0BB-DE4B-95CE-6DB70DBA9567}" type="datetimeFigureOut">
               <a:rPr lang="en-US" dirty="0"/>
               <a:pPr/>
-              <a:t>6/7/21</a:t>
+              <a:t>6/8/21</a:t>
             </a:fld>
             <a:endParaRPr lang="en-US" dirty="0"/>
           </a:p>
@@ -4428,7 +4428,7 @@
             <a:fld id="{B61BEF0D-F0BB-DE4B-95CE-6DB70DBA9567}" type="datetimeFigureOut">
               <a:rPr lang="en-US" dirty="0"/>
               <a:pPr/>
-              <a:t>6/7/21</a:t>
+              <a:t>6/8/21</a:t>
             </a:fld>
             <a:endParaRPr lang="en-US" dirty="0"/>
           </a:p>
@@ -4708,7 +4708,7 @@
             <a:fld id="{B61BEF0D-F0BB-DE4B-95CE-6DB70DBA9567}" type="datetimeFigureOut">
               <a:rPr lang="en-US" dirty="0"/>
               <a:pPr/>
-              <a:t>6/7/21</a:t>
+              <a:t>6/8/21</a:t>
             </a:fld>
             <a:endParaRPr lang="en-US" dirty="0"/>
           </a:p>
@@ -5027,7 +5027,7 @@
             <a:fld id="{B61BEF0D-F0BB-DE4B-95CE-6DB70DBA9567}" type="datetimeFigureOut">
               <a:rPr lang="en-US" dirty="0"/>
               <a:pPr/>
-              <a:t>6/7/21</a:t>
+              <a:t>6/8/21</a:t>
             </a:fld>
             <a:endParaRPr lang="en-US" dirty="0"/>
           </a:p>
@@ -5236,7 +5236,7 @@
             <a:fld id="{B61BEF0D-F0BB-DE4B-95CE-6DB70DBA9567}" type="datetimeFigureOut">
               <a:rPr lang="en-US" dirty="0"/>
               <a:pPr/>
-              <a:t>6/7/21</a:t>
+              <a:t>6/8/21</a:t>
             </a:fld>
             <a:endParaRPr lang="en-US" dirty="0"/>
           </a:p>
@@ -6118,7 +6118,7 @@
             <a:pPr algn="ctr"/>
             <a:r>
               <a:rPr lang="en-CN" sz="1400"/>
-              <a:t>Develop</a:t>
+              <a:t>1. Develop</a:t>
             </a:r>
           </a:p>
         </p:txBody>
@@ -6166,7 +6166,7 @@
             <a:pPr algn="ctr"/>
             <a:r>
               <a:rPr lang="en-CN" sz="1400"/>
-              <a:t>Request</a:t>
+              <a:t>2. Request</a:t>
             </a:r>
           </a:p>
         </p:txBody>
@@ -6214,7 +6214,7 @@
             <a:pPr algn="ctr"/>
             <a:r>
               <a:rPr lang="en-CN" sz="1400"/>
-              <a:t>Record/Notify</a:t>
+              <a:t>3. Record/Notify</a:t>
             </a:r>
           </a:p>
         </p:txBody>
@@ -6262,7 +6262,7 @@
             <a:pPr algn="ctr"/>
             <a:r>
               <a:rPr lang="en-CN" sz="1400"/>
-              <a:t>Approve</a:t>
+              <a:t>3. Approve</a:t>
             </a:r>
           </a:p>
         </p:txBody>
@@ -6310,7 +6310,7 @@
             <a:pPr algn="ctr"/>
             <a:r>
               <a:rPr lang="en-CN" sz="1400"/>
-              <a:t>Whitelisted</a:t>
+              <a:t>4. Whitelisted</a:t>
             </a:r>
           </a:p>
         </p:txBody>

--- a/xray_in_practice.pptx
+++ b/xray_in_practice.pptx
@@ -6262,7 +6262,7 @@
             <a:pPr algn="ctr"/>
             <a:r>
               <a:rPr lang="en-CN" sz="1400"/>
-              <a:t>3. Approve</a:t>
+              <a:t>4. Approve</a:t>
             </a:r>
           </a:p>
         </p:txBody>
@@ -6310,7 +6310,7 @@
             <a:pPr algn="ctr"/>
             <a:r>
               <a:rPr lang="en-CN" sz="1400"/>
-              <a:t>4. Whitelisted</a:t>
+              <a:t>5. Whitelisted</a:t>
             </a:r>
           </a:p>
         </p:txBody>
